--- a/20171213_FAT3_CAE/20171217_FAT2_CAE_Bioheat.pptx
+++ b/20171213_FAT3_CAE/20171217_FAT2_CAE_Bioheat.pptx
@@ -31947,7 +31947,15 @@
                   <a:schemeClr val="bg1"/>
                 </a:solidFill>
               </a:rPr>
-              <a:t>Muscle = 5.0mm</a:t>
+              <a:t>Muscle = </a:t>
+            </a:r>
+            <a:r>
+              <a:rPr lang="en-US" altLang="ko-KR" sz="1200" dirty="0" smtClean="0">
+                <a:solidFill>
+                  <a:schemeClr val="bg1"/>
+                </a:solidFill>
+              </a:rPr>
+              <a:t>20.0mm</a:t>
             </a:r>
             <a:endParaRPr lang="ko-KR" altLang="en-US" sz="1200" dirty="0">
               <a:solidFill>
@@ -32463,7 +32471,15 @@
                   <a:schemeClr val="bg1"/>
                 </a:solidFill>
               </a:rPr>
-              <a:t>Muscle = 5.0mm</a:t>
+              <a:t>Muscle = </a:t>
+            </a:r>
+            <a:r>
+              <a:rPr lang="en-US" altLang="ko-KR" sz="1200" dirty="0" smtClean="0">
+                <a:solidFill>
+                  <a:schemeClr val="bg1"/>
+                </a:solidFill>
+              </a:rPr>
+              <a:t>20.0mm</a:t>
             </a:r>
             <a:endParaRPr lang="ko-KR" altLang="en-US" sz="1200" dirty="0">
               <a:solidFill>
@@ -32963,7 +32979,15 @@
                   <a:schemeClr val="bg1"/>
                 </a:solidFill>
               </a:rPr>
-              <a:t>Muscle = 5.0mm</a:t>
+              <a:t>Muscle = </a:t>
+            </a:r>
+            <a:r>
+              <a:rPr lang="en-US" altLang="ko-KR" sz="1200" dirty="0" smtClean="0">
+                <a:solidFill>
+                  <a:schemeClr val="bg1"/>
+                </a:solidFill>
+              </a:rPr>
+              <a:t>20.0mm</a:t>
             </a:r>
             <a:endParaRPr lang="ko-KR" altLang="en-US" sz="1200" dirty="0">
               <a:solidFill>
@@ -37055,6 +37079,71 @@
           </a:p>
         </p:txBody>
       </p:sp>
+      <p:sp>
+        <p:nvSpPr>
+          <p:cNvPr id="3" name="직사각형 2"/>
+          <p:cNvSpPr/>
+          <p:nvPr/>
+        </p:nvSpPr>
+        <p:spPr>
+          <a:xfrm>
+            <a:off x="0" y="6359254"/>
+            <a:ext cx="2384499" cy="461665"/>
+          </a:xfrm>
+          <a:prstGeom prst="rect">
+            <a:avLst/>
+          </a:prstGeom>
+        </p:spPr>
+        <p:txBody>
+          <a:bodyPr wrap="none">
+            <a:spAutoFit/>
+          </a:bodyPr>
+          <a:lstStyle/>
+          <a:p>
+            <a:r>
+              <a:rPr lang="en-US" altLang="ko-KR" sz="1200" dirty="0">
+                <a:solidFill>
+                  <a:srgbClr val="0050A0"/>
+                </a:solidFill>
+              </a:rPr>
+              <a:t>﻿</a:t>
+            </a:r>
+            <a:r>
+              <a:rPr lang="en-US" altLang="ko-KR" sz="1200" dirty="0" smtClean="0">
+                <a:solidFill>
+                  <a:srgbClr val="0050A0"/>
+                </a:solidFill>
+              </a:rPr>
+              <a:t>Transient Movie :</a:t>
+            </a:r>
+          </a:p>
+          <a:p>
+            <a:r>
+              <a:rPr lang="en-US" altLang="ko-KR" sz="1200" dirty="0" smtClean="0">
+                <a:solidFill>
+                  <a:srgbClr val="0050A0"/>
+                </a:solidFill>
+                <a:hlinkClick r:id="rId4"/>
+              </a:rPr>
+              <a:t>https</a:t>
+            </a:r>
+            <a:r>
+              <a:rPr lang="en-US" altLang="ko-KR" sz="1200" dirty="0">
+                <a:solidFill>
+                  <a:srgbClr val="0050A0"/>
+                </a:solidFill>
+                <a:hlinkClick r:id="rId4"/>
+              </a:rPr>
+              <a:t>://youtu.be/hCuhrQhsY64</a:t>
+            </a:r>
+            <a:endParaRPr lang="ko-KR" altLang="en-US" sz="1200" dirty="0">
+              <a:solidFill>
+                <a:srgbClr val="0050A0"/>
+              </a:solidFill>
+            </a:endParaRPr>
+          </a:p>
+        </p:txBody>
+      </p:sp>
     </p:spTree>
     <p:extLst>
       <p:ext uri="{BB962C8B-B14F-4D97-AF65-F5344CB8AC3E}">
@@ -40369,43 +40458,7 @@
                 </a:solidFill>
                 <a:sym typeface="Wingdings" panose="05000000000000000000" pitchFamily="2" charset="2"/>
               </a:rPr>
-              <a:t>인체 조직의 </a:t>
-            </a:r>
-            <a:r>
-              <a:rPr lang="ko-KR" altLang="en-US" sz="1200" dirty="0" smtClean="0">
-                <a:solidFill>
-                  <a:srgbClr val="0050A0"/>
-                </a:solidFill>
-                <a:sym typeface="Wingdings" panose="05000000000000000000" pitchFamily="2" charset="2"/>
-              </a:rPr>
-              <a:t>모델</a:t>
-            </a:r>
-            <a:r>
-              <a:rPr lang="ko-KR" altLang="en-US" sz="1200" dirty="0" smtClean="0">
-                <a:solidFill>
-                  <a:srgbClr val="0050A0"/>
-                </a:solidFill>
-                <a:sym typeface="Wingdings" panose="05000000000000000000" pitchFamily="2" charset="2"/>
-              </a:rPr>
-              <a:t>이 상당히 </a:t>
-            </a:r>
-            <a:r>
-              <a:rPr lang="ko-KR" altLang="en-US" sz="1200" dirty="0" smtClean="0">
-                <a:solidFill>
-                  <a:srgbClr val="0050A0"/>
-                </a:solidFill>
-                <a:sym typeface="Wingdings" panose="05000000000000000000" pitchFamily="2" charset="2"/>
-              </a:rPr>
-              <a:t>단순화 </a:t>
-            </a:r>
-            <a:r>
-              <a:rPr lang="ko-KR" altLang="en-US" sz="1200" dirty="0" smtClean="0">
-                <a:solidFill>
-                  <a:srgbClr val="0050A0"/>
-                </a:solidFill>
-                <a:sym typeface="Wingdings" panose="05000000000000000000" pitchFamily="2" charset="2"/>
-              </a:rPr>
-              <a:t>되었다</a:t>
+              <a:t>인체 조직의 모델이 상당히 단순화 되었다</a:t>
             </a:r>
             <a:r>
               <a:rPr lang="en-US" altLang="ko-KR" sz="1200" dirty="0" smtClean="0">
@@ -40612,12 +40665,6 @@
               </a:rPr>
               <a:t>.)</a:t>
             </a:r>
-            <a:endParaRPr lang="en-US" altLang="ko-KR" sz="1200" dirty="0" smtClean="0">
-              <a:solidFill>
-                <a:srgbClr val="0050A0"/>
-              </a:solidFill>
-              <a:sym typeface="Wingdings" panose="05000000000000000000" pitchFamily="2" charset="2"/>
-            </a:endParaRPr>
           </a:p>
           <a:p>
             <a:pPr marL="228600" indent="-228600">
